--- a/robocode.pptx
+++ b/robocode.pptx
@@ -222,7 +222,7 @@
           <a:p>
             <a:fld id="{A2D2D890-5EB8-F24B-AE18-467D79CD6125}" type="datetimeFigureOut">
               <a:rPr lang="fr-FR" smtClean="0"/>
-              <a:t>16/07/2020</a:t>
+              <a:t>17/07/2020</a:t>
             </a:fld>
             <a:endParaRPr lang="fr-FR"/>
           </a:p>
@@ -388,7 +388,7 @@
           <a:p>
             <a:fld id="{1810BB22-48B6-B146-9CDF-E7F4D72923A1}" type="datetimeFigureOut">
               <a:rPr lang="fr-FR" smtClean="0"/>
-              <a:t>16/07/2020</a:t>
+              <a:t>17/07/2020</a:t>
             </a:fld>
             <a:endParaRPr lang="fr-FR"/>
           </a:p>
@@ -19270,7 +19270,7 @@
                 <a14:useLocalDpi xmlns:a14="http://schemas.microsoft.com/office/drawing/2010/main"/>
               </a:ext>
               <a:ext uri="{96DAC541-7B7A-43D3-8B79-37D633B846F1}">
-                <asvg:svgBlip xmlns:asvg="http://schemas.microsoft.com/office/drawing/2016/SVG/main" r:embed="rId7"/>
+                <asvg:svgBlip xmlns:asvg="http://schemas.microsoft.com/office/drawing/2016/SVG/main" xmlns="" r:embed="rId7"/>
               </a:ext>
             </a:extLst>
           </a:blip>
@@ -19309,7 +19309,7 @@
                 <a14:useLocalDpi xmlns:a14="http://schemas.microsoft.com/office/drawing/2010/main"/>
               </a:ext>
               <a:ext uri="{96DAC541-7B7A-43D3-8B79-37D633B846F1}">
-                <asvg:svgBlip xmlns:asvg="http://schemas.microsoft.com/office/drawing/2016/SVG/main" r:embed="rId9"/>
+                <asvg:svgBlip xmlns:asvg="http://schemas.microsoft.com/office/drawing/2016/SVG/main" xmlns="" r:embed="rId9"/>
               </a:ext>
             </a:extLst>
           </a:blip>
@@ -19348,7 +19348,7 @@
                 <a14:useLocalDpi xmlns:a14="http://schemas.microsoft.com/office/drawing/2010/main"/>
               </a:ext>
               <a:ext uri="{96DAC541-7B7A-43D3-8B79-37D633B846F1}">
-                <asvg:svgBlip xmlns:asvg="http://schemas.microsoft.com/office/drawing/2016/SVG/main" r:embed="rId11"/>
+                <asvg:svgBlip xmlns:asvg="http://schemas.microsoft.com/office/drawing/2016/SVG/main" xmlns="" r:embed="rId11"/>
               </a:ext>
             </a:extLst>
           </a:blip>
@@ -19387,7 +19387,7 @@
                 <a14:useLocalDpi xmlns:a14="http://schemas.microsoft.com/office/drawing/2010/main"/>
               </a:ext>
               <a:ext uri="{96DAC541-7B7A-43D3-8B79-37D633B846F1}">
-                <asvg:svgBlip xmlns:asvg="http://schemas.microsoft.com/office/drawing/2016/SVG/main" r:embed="rId13"/>
+                <asvg:svgBlip xmlns:asvg="http://schemas.microsoft.com/office/drawing/2016/SVG/main" xmlns="" r:embed="rId13"/>
               </a:ext>
             </a:extLst>
           </a:blip>
@@ -20013,31 +20013,6 @@
           </a:p>
         </p:txBody>
       </p:sp>
-      <p:sp>
-        <p:nvSpPr>
-          <p:cNvPr id="3" name="Espace réservé du texte 2">
-            <a:extLst>
-              <a:ext uri="{FF2B5EF4-FFF2-40B4-BE49-F238E27FC236}">
-                <a16:creationId xmlns:a16="http://schemas.microsoft.com/office/drawing/2014/main" id="{982F8028-F3FB-2A4E-A2D8-C52E0F53E45B}"/>
-              </a:ext>
-            </a:extLst>
-          </p:cNvPr>
-          <p:cNvSpPr>
-            <a:spLocks noGrp="1"/>
-          </p:cNvSpPr>
-          <p:nvPr>
-            <p:ph type="body" sz="quarter" idx="10"/>
-          </p:nvPr>
-        </p:nvSpPr>
-        <p:spPr/>
-        <p:txBody>
-          <a:bodyPr/>
-          <a:lstStyle/>
-          <a:p>
-            <a:endParaRPr lang="fr-FR" dirty="0"/>
-          </a:p>
-        </p:txBody>
-      </p:sp>
     </p:spTree>
     <p:extLst>
       <p:ext uri="{BB962C8B-B14F-4D97-AF65-F5344CB8AC3E}">
@@ -20221,7 +20196,7 @@
           <a:graphicData uri="http://schemas.openxmlformats.org/presentationml/2006/ole">
             <mc:AlternateContent xmlns:mc="http://schemas.openxmlformats.org/markup-compatibility/2006">
               <mc:Choice xmlns:v="urn:schemas-microsoft-com:vml" Requires="v">
-                <p:oleObj spid="_x0000_s3077" name="Objet d’environnement du Gestionnaire de liaisons" showAsIcon="1" r:id="rId3" imgW="945360" imgH="387000" progId="Package">
+                <p:oleObj spid="_x0000_s3081" name="Objet d’environnement du Gestionnaire de liaisons" showAsIcon="1" r:id="rId3" imgW="945360" imgH="387000" progId="Package">
                   <p:embed/>
                 </p:oleObj>
               </mc:Choice>
@@ -20336,26 +20311,45 @@
           <a:lstStyle/>
           <a:p>
             <a:r>
+              <a:rPr lang="fr-FR" dirty="0" smtClean="0"/>
+              <a:t>Option 2 : Créer un projet « </a:t>
+            </a:r>
+            <a:r>
+              <a:rPr lang="fr-FR" dirty="0" err="1" smtClean="0"/>
+              <a:t>from</a:t>
+            </a:r>
+            <a:r>
+              <a:rPr lang="fr-FR" dirty="0" smtClean="0"/>
+              <a:t> scratch »</a:t>
+            </a:r>
+          </a:p>
+          <a:p>
+            <a:pPr lvl="1"/>
+            <a:r>
+              <a:rPr lang="fr-FR" dirty="0" smtClean="0"/>
+              <a:t>Sous </a:t>
+            </a:r>
+            <a:r>
               <a:rPr lang="fr-FR" dirty="0"/>
-              <a:t>Sous Eclipse, créer un nouveau projet Java</a:t>
-            </a:r>
-          </a:p>
-          <a:p>
-            <a:pPr lvl="1"/>
+              <a:t>Eclipse, créer un nouveau projet Java</a:t>
+            </a:r>
+          </a:p>
+          <a:p>
+            <a:pPr lvl="2"/>
             <a:r>
               <a:rPr lang="fr-FR" dirty="0"/>
               <a:t>Spécifier un nom de projet</a:t>
             </a:r>
           </a:p>
           <a:p>
-            <a:pPr lvl="1"/>
+            <a:pPr lvl="2"/>
             <a:r>
               <a:rPr lang="fr-FR" dirty="0"/>
               <a:t>Faire « suivant »</a:t>
             </a:r>
           </a:p>
           <a:p>
-            <a:pPr lvl="1"/>
+            <a:pPr lvl="2"/>
             <a:r>
               <a:rPr lang="fr-FR" dirty="0"/>
               <a:t>Dans l’onglet « librairies », cliquer sur « </a:t>
@@ -20386,7 +20380,7 @@
             </a:r>
           </a:p>
           <a:p>
-            <a:pPr lvl="1"/>
+            <a:pPr lvl="2"/>
             <a:r>
               <a:rPr lang="fr-FR" dirty="0"/>
               <a:t>Sélectionner « robocode.jar » présent dans le répertoire </a:t>
@@ -20397,7 +20391,15 @@
             </a:r>
             <a:r>
               <a:rPr lang="fr-FR" dirty="0"/>
-              <a:t> du répertoire d’installation du moteur </a:t>
+              <a:t> du répertoire d’installation </a:t>
+            </a:r>
+            <a:r>
+              <a:rPr lang="fr-FR" dirty="0" smtClean="0"/>
+              <a:t>du </a:t>
+            </a:r>
+            <a:r>
+              <a:rPr lang="fr-FR" dirty="0"/>
+              <a:t>moteur </a:t>
             </a:r>
             <a:r>
               <a:rPr lang="fr-FR" dirty="0" err="1"/>
@@ -20406,14 +20408,14 @@
             <a:endParaRPr lang="fr-FR" dirty="0"/>
           </a:p>
           <a:p>
-            <a:pPr lvl="1"/>
+            <a:pPr lvl="2"/>
             <a:r>
               <a:rPr lang="fr-FR" dirty="0"/>
               <a:t>Dérouler la librairie nouvellement ajoutée</a:t>
             </a:r>
           </a:p>
           <a:p>
-            <a:pPr lvl="1"/>
+            <a:pPr lvl="2"/>
             <a:r>
               <a:rPr lang="fr-FR" dirty="0"/>
               <a:t>Cliquer sur </a:t>
@@ -20449,7 +20451,7 @@
             <a:endParaRPr lang="fr-FR" dirty="0"/>
           </a:p>
           <a:p>
-            <a:pPr lvl="1"/>
+            <a:pPr lvl="2"/>
             <a:r>
               <a:rPr lang="fr-FR" dirty="0">
                 <a:hlinkClick r:id="rId2"/>
@@ -20656,7 +20658,12 @@
             <p:ph type="body" sz="quarter" idx="11"/>
           </p:nvPr>
         </p:nvSpPr>
-        <p:spPr/>
+        <p:spPr>
+          <a:xfrm>
+            <a:off x="1331260" y="1736724"/>
+            <a:ext cx="9589154" cy="4769584"/>
+          </a:xfrm>
+        </p:spPr>
         <p:txBody>
           <a:bodyPr>
             <a:normAutofit/>
@@ -20835,8 +20842,45 @@
             <a:pPr lvl="2"/>
             <a:r>
               <a:rPr lang="fr-FR" dirty="0"/>
-              <a:t>Pour tester votre robot, faire battle / new, et ajouter votre robot ainsi qu’un robot d’exemple pour lancer un match d’essai</a:t>
-            </a:r>
+              <a:t>Pour tester votre robot, faire battle / new, et ajouter votre robot ainsi qu’un robot d’exemple pour lancer un match </a:t>
+            </a:r>
+            <a:r>
+              <a:rPr lang="fr-FR" dirty="0" smtClean="0"/>
+              <a:t>d’essai </a:t>
+            </a:r>
+            <a:r>
+              <a:rPr lang="fr-FR" dirty="0" smtClean="0">
+                <a:sym typeface="Wingdings" panose="05000000000000000000" pitchFamily="2" charset="2"/>
+              </a:rPr>
+              <a:t> A sortir dans un chapitre à part</a:t>
+            </a:r>
+            <a:endParaRPr lang="fr-FR" dirty="0" smtClean="0"/>
+          </a:p>
+          <a:p>
+            <a:pPr lvl="2"/>
+            <a:r>
+              <a:rPr lang="fr-FR" dirty="0">
+                <a:hlinkClick r:id="rId2"/>
+              </a:rPr>
+              <a:t>https://</a:t>
+            </a:r>
+            <a:r>
+              <a:rPr lang="fr-FR" dirty="0" smtClean="0">
+                <a:hlinkClick r:id="rId2"/>
+              </a:rPr>
+              <a:t>robowiki.net/wiki/Robocode/Eclipse/Running_from_Eclipse</a:t>
+            </a:r>
+            <a:endParaRPr lang="fr-FR" dirty="0" smtClean="0"/>
+          </a:p>
+          <a:p>
+            <a:pPr lvl="2"/>
+            <a:r>
+              <a:rPr lang="fr-FR" dirty="0">
+                <a:hlinkClick r:id="rId3"/>
+              </a:rPr>
+              <a:t>https://robowiki.net/wiki/Robocode/Eclipse/Debugging_Robot</a:t>
+            </a:r>
+            <a:endParaRPr lang="fr-FR" dirty="0"/>
           </a:p>
           <a:p>
             <a:pPr lvl="2"/>
@@ -20859,7 +20903,7 @@
           <p:nvPr/>
         </p:nvPicPr>
         <p:blipFill rotWithShape="1">
-          <a:blip r:embed="rId2">
+          <a:blip r:embed="rId4">
             <a:extLst>
               <a:ext uri="{28A0092B-C50C-407E-A947-70E740481C1C}">
                 <a14:useLocalDpi xmlns:a14="http://schemas.microsoft.com/office/drawing/2010/main" val="0"/>
@@ -21078,7 +21122,7 @@
           <a:graphicData uri="http://schemas.openxmlformats.org/presentationml/2006/ole">
             <mc:AlternateContent xmlns:mc="http://schemas.openxmlformats.org/markup-compatibility/2006">
               <mc:Choice xmlns:v="urn:schemas-microsoft-com:vml" Requires="v">
-                <p:oleObj spid="_x0000_s1032" name="Objet d’environnement du Gestionnaire de liaisons" showAsIcon="1" r:id="rId3" imgW="853920" imgH="349200" progId="Package">
+                <p:oleObj spid="_x0000_s1036" name="Objet d’environnement du Gestionnaire de liaisons" showAsIcon="1" r:id="rId3" imgW="853920" imgH="349200" progId="Package">
                   <p:embed/>
                 </p:oleObj>
               </mc:Choice>
@@ -21723,11 +21767,15 @@
               <a:buChar char="•"/>
             </a:pPr>
             <a:r>
-              <a:rPr lang="fr-FR"/>
+              <a:rPr lang="fr-FR" dirty="0"/>
               <a:t>Installer </a:t>
             </a:r>
             <a:r>
-              <a:rPr lang="fr-FR" dirty="0" err="1"/>
+              <a:rPr lang="fr-FR" dirty="0" smtClean="0"/>
+              <a:t>le moteur </a:t>
+            </a:r>
+            <a:r>
+              <a:rPr lang="fr-FR" dirty="0" err="1" smtClean="0"/>
               <a:t>robocode</a:t>
             </a:r>
             <a:endParaRPr lang="fr-FR" dirty="0"/>
@@ -21837,17 +21885,10 @@
           <a:lstStyle/>
           <a:p>
             <a:r>
-              <a:rPr lang="fr-FR" dirty="0"/>
-              <a:t>Qu’est-ce que </a:t>
-            </a:r>
-            <a:r>
-              <a:rPr lang="fr-FR" dirty="0" err="1"/>
-              <a:t>Robocode</a:t>
-            </a:r>
-            <a:r>
-              <a:rPr lang="fr-FR" dirty="0"/>
-              <a:t> ?</a:t>
-            </a:r>
+              <a:rPr lang="fr-FR" dirty="0" smtClean="0"/>
+              <a:t>Section 1</a:t>
+            </a:r>
+            <a:endParaRPr lang="fr-FR" dirty="0"/>
           </a:p>
         </p:txBody>
       </p:sp>
@@ -21871,9 +21912,18 @@
           <a:lstStyle/>
           <a:p>
             <a:r>
-              <a:rPr lang="fr-FR" dirty="0"/>
-              <a:t>Sous-section 1</a:t>
-            </a:r>
+              <a:rPr lang="fr-FR" dirty="0" smtClean="0"/>
+              <a:t>Qu’est-ce que </a:t>
+            </a:r>
+            <a:r>
+              <a:rPr lang="fr-FR" dirty="0" err="1" smtClean="0"/>
+              <a:t>Robocode</a:t>
+            </a:r>
+            <a:r>
+              <a:rPr lang="fr-FR" dirty="0" smtClean="0"/>
+              <a:t> ?</a:t>
+            </a:r>
+            <a:endParaRPr lang="fr-FR" dirty="0"/>
           </a:p>
         </p:txBody>
       </p:sp>
@@ -22080,7 +22130,11 @@
               <a:t>Installer </a:t>
             </a:r>
             <a:r>
-              <a:rPr lang="fr-FR" dirty="0" err="1"/>
+              <a:rPr lang="fr-FR" dirty="0" smtClean="0"/>
+              <a:t>le moteur </a:t>
+            </a:r>
+            <a:r>
+              <a:rPr lang="fr-FR" dirty="0" err="1" smtClean="0"/>
               <a:t>robocode</a:t>
             </a:r>
             <a:endParaRPr lang="fr-FR" dirty="0"/>
@@ -22242,13 +22296,52 @@
         <p:spPr/>
         <p:txBody>
           <a:bodyPr>
-            <a:normAutofit lnSpcReduction="10000"/>
+            <a:normAutofit fontScale="85000" lnSpcReduction="20000"/>
           </a:bodyPr>
           <a:lstStyle/>
           <a:p>
             <a:r>
+              <a:rPr lang="fr-FR" dirty="0" smtClean="0"/>
+              <a:t>Le moteur </a:t>
+            </a:r>
+            <a:r>
+              <a:rPr lang="fr-FR" dirty="0" err="1" smtClean="0"/>
+              <a:t>robocode</a:t>
+            </a:r>
+            <a:endParaRPr lang="fr-FR" dirty="0" smtClean="0"/>
+          </a:p>
+          <a:p>
+            <a:pPr lvl="1"/>
+            <a:r>
+              <a:rPr lang="fr-FR" dirty="0" smtClean="0"/>
+              <a:t>Il permet de lancer les batailles de robot.</a:t>
+            </a:r>
+          </a:p>
+          <a:p>
+            <a:pPr lvl="1"/>
+            <a:r>
+              <a:rPr lang="fr-FR" dirty="0" smtClean="0"/>
+              <a:t>Il contient également un éditeur de code basique pour développer son robot en Java</a:t>
+            </a:r>
+          </a:p>
+          <a:p>
+            <a:pPr lvl="1"/>
+            <a:r>
+              <a:rPr lang="fr-FR" dirty="0" smtClean="0">
+                <a:sym typeface="Wingdings" panose="05000000000000000000" pitchFamily="2" charset="2"/>
+              </a:rPr>
+              <a:t> Séparer moteur / java / .net</a:t>
+            </a:r>
+            <a:endParaRPr lang="fr-FR" dirty="0" smtClean="0"/>
+          </a:p>
+          <a:p>
+            <a:r>
+              <a:rPr lang="fr-FR" dirty="0" smtClean="0"/>
+              <a:t>Télécharger </a:t>
+            </a:r>
+            <a:r>
               <a:rPr lang="fr-FR" dirty="0"/>
-              <a:t>Télécharger le moteur </a:t>
+              <a:t>le moteur </a:t>
             </a:r>
             <a:r>
               <a:rPr lang="fr-FR" dirty="0" err="1"/>
